--- a/Presentations/AI - Monty Hall.pptx
+++ b/Presentations/AI - Monty Hall.pptx
@@ -198,7 +198,7 @@
           <a:p>
             <a:fld id="{FAF957FC-5175-49AC-8D2B-2F056FFFC1DD}" type="datetimeFigureOut">
               <a:rPr lang="en-US" smtClean="0"/>
-              <a:t>7/9/2017</a:t>
+              <a:t>10/25/2017</a:t>
             </a:fld>
             <a:endParaRPr lang="en-US"/>
           </a:p>
@@ -900,7 +900,7 @@
             <a:fld id="{1D8BD707-D9CF-40AE-B4C6-C98DA3205C09}" type="datetimeFigureOut">
               <a:rPr lang="en-US" smtClean="0"/>
               <a:pPr/>
-              <a:t>7/9/2017</a:t>
+              <a:t>10/25/2017</a:t>
             </a:fld>
             <a:endParaRPr lang="en-US"/>
           </a:p>
@@ -1067,7 +1067,7 @@
             <a:fld id="{1D8BD707-D9CF-40AE-B4C6-C98DA3205C09}" type="datetimeFigureOut">
               <a:rPr lang="en-US" smtClean="0"/>
               <a:pPr/>
-              <a:t>7/9/2017</a:t>
+              <a:t>10/25/2017</a:t>
             </a:fld>
             <a:endParaRPr lang="en-US"/>
           </a:p>
@@ -1244,7 +1244,7 @@
             <a:fld id="{1D8BD707-D9CF-40AE-B4C6-C98DA3205C09}" type="datetimeFigureOut">
               <a:rPr lang="en-US" smtClean="0"/>
               <a:pPr/>
-              <a:t>7/9/2017</a:t>
+              <a:t>10/25/2017</a:t>
             </a:fld>
             <a:endParaRPr lang="en-US"/>
           </a:p>
@@ -1411,7 +1411,7 @@
             <a:fld id="{1D8BD707-D9CF-40AE-B4C6-C98DA3205C09}" type="datetimeFigureOut">
               <a:rPr lang="en-US" smtClean="0"/>
               <a:pPr/>
-              <a:t>7/9/2017</a:t>
+              <a:t>10/25/2017</a:t>
             </a:fld>
             <a:endParaRPr lang="en-US"/>
           </a:p>
@@ -1654,7 +1654,7 @@
             <a:fld id="{1D8BD707-D9CF-40AE-B4C6-C98DA3205C09}" type="datetimeFigureOut">
               <a:rPr lang="en-US" smtClean="0"/>
               <a:pPr/>
-              <a:t>7/9/2017</a:t>
+              <a:t>10/25/2017</a:t>
             </a:fld>
             <a:endParaRPr lang="en-US"/>
           </a:p>
@@ -1939,7 +1939,7 @@
             <a:fld id="{1D8BD707-D9CF-40AE-B4C6-C98DA3205C09}" type="datetimeFigureOut">
               <a:rPr lang="en-US" smtClean="0"/>
               <a:pPr/>
-              <a:t>7/9/2017</a:t>
+              <a:t>10/25/2017</a:t>
             </a:fld>
             <a:endParaRPr lang="en-US"/>
           </a:p>
@@ -2358,7 +2358,7 @@
             <a:fld id="{1D8BD707-D9CF-40AE-B4C6-C98DA3205C09}" type="datetimeFigureOut">
               <a:rPr lang="en-US" smtClean="0"/>
               <a:pPr/>
-              <a:t>7/9/2017</a:t>
+              <a:t>10/25/2017</a:t>
             </a:fld>
             <a:endParaRPr lang="en-US"/>
           </a:p>
@@ -2473,7 +2473,7 @@
             <a:fld id="{1D8BD707-D9CF-40AE-B4C6-C98DA3205C09}" type="datetimeFigureOut">
               <a:rPr lang="en-US" smtClean="0"/>
               <a:pPr/>
-              <a:t>7/9/2017</a:t>
+              <a:t>10/25/2017</a:t>
             </a:fld>
             <a:endParaRPr lang="en-US"/>
           </a:p>
@@ -2565,7 +2565,7 @@
             <a:fld id="{1D8BD707-D9CF-40AE-B4C6-C98DA3205C09}" type="datetimeFigureOut">
               <a:rPr lang="en-US" smtClean="0"/>
               <a:pPr/>
-              <a:t>7/9/2017</a:t>
+              <a:t>10/25/2017</a:t>
             </a:fld>
             <a:endParaRPr lang="en-US"/>
           </a:p>
@@ -2839,7 +2839,7 @@
             <a:fld id="{1D8BD707-D9CF-40AE-B4C6-C98DA3205C09}" type="datetimeFigureOut">
               <a:rPr lang="en-US" smtClean="0"/>
               <a:pPr/>
-              <a:t>7/9/2017</a:t>
+              <a:t>10/25/2017</a:t>
             </a:fld>
             <a:endParaRPr lang="en-US"/>
           </a:p>
@@ -3089,7 +3089,7 @@
             <a:fld id="{1D8BD707-D9CF-40AE-B4C6-C98DA3205C09}" type="datetimeFigureOut">
               <a:rPr lang="en-US" smtClean="0"/>
               <a:pPr/>
-              <a:t>7/9/2017</a:t>
+              <a:t>10/25/2017</a:t>
             </a:fld>
             <a:endParaRPr lang="en-US"/>
           </a:p>
@@ -3299,7 +3299,7 @@
             <a:fld id="{1D8BD707-D9CF-40AE-B4C6-C98DA3205C09}" type="datetimeFigureOut">
               <a:rPr lang="en-US" smtClean="0"/>
               <a:pPr/>
-              <a:t>7/9/2017</a:t>
+              <a:t>10/25/2017</a:t>
             </a:fld>
             <a:endParaRPr lang="en-US"/>
           </a:p>
@@ -3741,8 +3741,15 @@
                   </a:schemeClr>
                 </a:solidFill>
               </a:rPr>
-              <a:t>Portland Data Science Group</a:t>
-            </a:r>
+              <a:t>Artificial Intelligence Training</a:t>
+            </a:r>
+            <a:endParaRPr lang="en-US" sz="2400" dirty="0" smtClean="0">
+              <a:solidFill>
+                <a:schemeClr val="accent1">
+                  <a:lumMod val="75000"/>
+                </a:schemeClr>
+              </a:solidFill>
+            </a:endParaRPr>
           </a:p>
           <a:p>
             <a:r>
@@ -3792,18 +3799,24 @@
                   </a:schemeClr>
                 </a:solidFill>
               </a:rPr>
-              <a:t>Community Outreach Officer</a:t>
-            </a:r>
-            <a:r>
-              <a:rPr lang="en-US" sz="2400" dirty="0" smtClean="0"/>
-              <a:t/>
+              <a:t>Instructor</a:t>
             </a:r>
             <a:br>
-              <a:rPr lang="en-US" sz="2400" dirty="0" smtClean="0"/>
+              <a:rPr lang="en-US" sz="2400" dirty="0" smtClean="0">
+                <a:solidFill>
+                  <a:schemeClr val="accent1">
+                    <a:lumMod val="75000"/>
+                  </a:schemeClr>
+                </a:solidFill>
+              </a:rPr>
             </a:br>
             <a:r>
               <a:rPr lang="en-US" sz="1800" dirty="0" smtClean="0"/>
-              <a:t>July, 2017</a:t>
+              <a:t>July</a:t>
+            </a:r>
+            <a:r>
+              <a:rPr lang="en-US" sz="1800" dirty="0" smtClean="0"/>
+              <a:t>, 2017</a:t>
             </a:r>
             <a:endParaRPr lang="en-US" sz="1800" dirty="0"/>
           </a:p>
@@ -6718,17 +6731,7 @@
                   </a:schemeClr>
                 </a:solidFill>
               </a:rPr>
-              <a:t> </a:t>
-            </a:r>
-            <a:r>
-              <a:rPr lang="en-US" dirty="0" smtClean="0">
-                <a:solidFill>
-                  <a:schemeClr val="accent1">
-                    <a:lumMod val="75000"/>
-                  </a:schemeClr>
-                </a:solidFill>
-              </a:rPr>
-              <a:t>Probability Distribution</a:t>
+              <a:t> Probability Distribution</a:t>
             </a:r>
             <a:endParaRPr lang="en-US" dirty="0">
               <a:solidFill>
@@ -7291,8 +7294,8 @@
           </a:fontRef>
         </p:style>
       </p:cxnSp>
-      <mc:AlternateContent xmlns:mc="http://schemas.openxmlformats.org/markup-compatibility/2006">
-        <mc:Choice xmlns:a14="http://schemas.microsoft.com/office/drawing/2010/main" Requires="a14">
+      <mc:AlternateContent xmlns:mc="http://schemas.openxmlformats.org/markup-compatibility/2006" xmlns:a14="http://schemas.microsoft.com/office/drawing/2010/main">
+        <mc:Choice Requires="a14">
           <p:sp>
             <p:nvSpPr>
               <p:cNvPr id="27" name="TextBox 26"/>
@@ -7315,6 +7318,7 @@
               </a:bodyPr>
               <a:lstStyle/>
               <a:p>
+                <a:pPr/>
                 <a14:m>
                   <m:oMathPara xmlns:m="http://schemas.openxmlformats.org/officeDocument/2006/math">
                     <m:oMathParaPr>
@@ -7355,7 +7359,7 @@
             </p:txBody>
           </p:sp>
         </mc:Choice>
-        <mc:Fallback>
+        <mc:Fallback xmlns="">
           <p:sp>
             <p:nvSpPr>
               <p:cNvPr id="27" name="TextBox 26"/>
@@ -7394,8 +7398,8 @@
           </p:sp>
         </mc:Fallback>
       </mc:AlternateContent>
-      <mc:AlternateContent xmlns:mc="http://schemas.openxmlformats.org/markup-compatibility/2006">
-        <mc:Choice xmlns:a14="http://schemas.microsoft.com/office/drawing/2010/main" Requires="a14">
+      <mc:AlternateContent xmlns:mc="http://schemas.openxmlformats.org/markup-compatibility/2006" xmlns:a14="http://schemas.microsoft.com/office/drawing/2010/main">
+        <mc:Choice Requires="a14">
           <p:sp>
             <p:nvSpPr>
               <p:cNvPr id="29" name="TextBox 28"/>
@@ -7418,6 +7422,7 @@
               </a:bodyPr>
               <a:lstStyle/>
               <a:p>
+                <a:pPr/>
                 <a14:m>
                   <m:oMathPara xmlns:m="http://schemas.openxmlformats.org/officeDocument/2006/math">
                     <m:oMathParaPr>
@@ -7458,7 +7463,7 @@
             </p:txBody>
           </p:sp>
         </mc:Choice>
-        <mc:Fallback>
+        <mc:Fallback xmlns="">
           <p:sp>
             <p:nvSpPr>
               <p:cNvPr id="29" name="TextBox 28"/>
@@ -7781,8 +7786,8 @@
           </a:fontRef>
         </p:style>
       </p:cxnSp>
-      <mc:AlternateContent xmlns:mc="http://schemas.openxmlformats.org/markup-compatibility/2006">
-        <mc:Choice xmlns:a14="http://schemas.microsoft.com/office/drawing/2010/main" Requires="a14">
+      <mc:AlternateContent xmlns:mc="http://schemas.openxmlformats.org/markup-compatibility/2006" xmlns:a14="http://schemas.microsoft.com/office/drawing/2010/main">
+        <mc:Choice Requires="a14">
           <p:sp>
             <p:nvSpPr>
               <p:cNvPr id="42" name="TextBox 41"/>
@@ -7805,6 +7810,7 @@
               </a:bodyPr>
               <a:lstStyle/>
               <a:p>
+                <a:pPr/>
                 <a14:m>
                   <m:oMathPara xmlns:m="http://schemas.openxmlformats.org/officeDocument/2006/math">
                     <m:oMathParaPr>
@@ -7845,7 +7851,7 @@
             </p:txBody>
           </p:sp>
         </mc:Choice>
-        <mc:Fallback>
+        <mc:Fallback xmlns="">
           <p:sp>
             <p:nvSpPr>
               <p:cNvPr id="42" name="TextBox 41"/>
@@ -8192,8 +8198,8 @@
           </a:p>
         </p:txBody>
       </p:sp>
-      <mc:AlternateContent xmlns:mc="http://schemas.openxmlformats.org/markup-compatibility/2006">
-        <mc:Choice xmlns:a14="http://schemas.microsoft.com/office/drawing/2010/main" Requires="a14">
+      <mc:AlternateContent xmlns:mc="http://schemas.openxmlformats.org/markup-compatibility/2006" xmlns:a14="http://schemas.microsoft.com/office/drawing/2010/main">
+        <mc:Choice Requires="a14">
           <p:sp>
             <p:nvSpPr>
               <p:cNvPr id="49" name="TextBox 48"/>
@@ -8216,6 +8222,7 @@
               </a:bodyPr>
               <a:lstStyle/>
               <a:p>
+                <a:pPr/>
                 <a14:m>
                   <m:oMathPara xmlns:m="http://schemas.openxmlformats.org/officeDocument/2006/math">
                     <m:oMathParaPr>
@@ -8256,7 +8263,7 @@
             </p:txBody>
           </p:sp>
         </mc:Choice>
-        <mc:Fallback>
+        <mc:Fallback xmlns="">
           <p:sp>
             <p:nvSpPr>
               <p:cNvPr id="49" name="TextBox 48"/>
@@ -8325,15 +8332,7 @@
           <a:p>
             <a:r>
               <a:rPr lang="en-US" dirty="0" smtClean="0"/>
-              <a:t>Hall opens one door without the </a:t>
-            </a:r>
-            <a:r>
-              <a:rPr lang="en-US" dirty="0" smtClean="0"/>
-              <a:t>big </a:t>
-            </a:r>
-            <a:r>
-              <a:rPr lang="en-US" dirty="0" smtClean="0"/>
-              <a:t>prize.</a:t>
+              <a:t>Hall opens one door without the big prize.</a:t>
             </a:r>
           </a:p>
         </p:txBody>
@@ -8602,8 +8601,8 @@
           </a:p>
         </p:txBody>
       </p:sp>
-      <mc:AlternateContent xmlns:mc="http://schemas.openxmlformats.org/markup-compatibility/2006">
-        <mc:Choice xmlns:a14="http://schemas.microsoft.com/office/drawing/2010/main" Requires="a14">
+      <mc:AlternateContent xmlns:mc="http://schemas.openxmlformats.org/markup-compatibility/2006" xmlns:a14="http://schemas.microsoft.com/office/drawing/2010/main">
+        <mc:Choice Requires="a14">
           <p:sp>
             <p:nvSpPr>
               <p:cNvPr id="59" name="TextBox 58"/>
@@ -8626,6 +8625,7 @@
               </a:bodyPr>
               <a:lstStyle/>
               <a:p>
+                <a:pPr/>
                 <a14:m>
                   <m:oMathPara xmlns:m="http://schemas.openxmlformats.org/officeDocument/2006/math">
                     <m:oMathParaPr>
@@ -8666,7 +8666,7 @@
             </p:txBody>
           </p:sp>
         </mc:Choice>
-        <mc:Fallback>
+        <mc:Fallback xmlns="">
           <p:sp>
             <p:nvSpPr>
               <p:cNvPr id="59" name="TextBox 58"/>
@@ -8953,35 +8953,18 @@
                   </a:schemeClr>
                 </a:solidFill>
               </a:rPr>
-              <a:t> </a:t>
-            </a:r>
-            <a:r>
-              <a:rPr lang="en-US" dirty="0" smtClean="0">
+              <a:t> Empirical Demonstratio</a:t>
+            </a:r>
+            <a:r>
+              <a:rPr lang="en-US" dirty="0">
                 <a:solidFill>
                   <a:schemeClr val="accent1">
                     <a:lumMod val="75000"/>
                   </a:schemeClr>
                 </a:solidFill>
               </a:rPr>
-              <a:t>Empirical Demonstratio</a:t>
-            </a:r>
-            <a:r>
-              <a:rPr lang="en-US" dirty="0">
-                <a:solidFill>
-                  <a:schemeClr val="accent1">
-                    <a:lumMod val="75000"/>
-                  </a:schemeClr>
-                </a:solidFill>
-              </a:rPr>
               <a:t>n</a:t>
             </a:r>
-            <a:endParaRPr lang="en-US" dirty="0">
-              <a:solidFill>
-                <a:schemeClr val="accent1">
-                  <a:lumMod val="75000"/>
-                </a:schemeClr>
-              </a:solidFill>
-            </a:endParaRPr>
           </a:p>
         </p:txBody>
       </p:sp>
@@ -10285,8 +10268,8 @@
           </a:p>
         </p:txBody>
       </p:sp>
-      <mc:AlternateContent xmlns:mc="http://schemas.openxmlformats.org/markup-compatibility/2006">
-        <mc:Choice xmlns:a14="http://schemas.microsoft.com/office/drawing/2010/main" Requires="a14">
+      <mc:AlternateContent xmlns:mc="http://schemas.openxmlformats.org/markup-compatibility/2006" xmlns:a14="http://schemas.microsoft.com/office/drawing/2010/main">
+        <mc:Choice Requires="a14">
           <p:sp>
             <p:nvSpPr>
               <p:cNvPr id="69" name="TextBox 68"/>
@@ -10309,6 +10292,7 @@
               </a:bodyPr>
               <a:lstStyle/>
               <a:p>
+                <a:pPr/>
                 <a14:m>
                   <m:oMathPara xmlns:m="http://schemas.openxmlformats.org/officeDocument/2006/math">
                     <m:oMathParaPr>
@@ -10349,7 +10333,7 @@
             </p:txBody>
           </p:sp>
         </mc:Choice>
-        <mc:Fallback>
+        <mc:Fallback xmlns="">
           <p:sp>
             <p:nvSpPr>
               <p:cNvPr id="69" name="TextBox 68"/>
@@ -10388,8 +10372,8 @@
           </p:sp>
         </mc:Fallback>
       </mc:AlternateContent>
-      <mc:AlternateContent xmlns:mc="http://schemas.openxmlformats.org/markup-compatibility/2006">
-        <mc:Choice xmlns:a14="http://schemas.microsoft.com/office/drawing/2010/main" Requires="a14">
+      <mc:AlternateContent xmlns:mc="http://schemas.openxmlformats.org/markup-compatibility/2006" xmlns:a14="http://schemas.microsoft.com/office/drawing/2010/main">
+        <mc:Choice Requires="a14">
           <p:sp>
             <p:nvSpPr>
               <p:cNvPr id="70" name="TextBox 69"/>
@@ -10412,6 +10396,7 @@
               </a:bodyPr>
               <a:lstStyle/>
               <a:p>
+                <a:pPr/>
                 <a14:m>
                   <m:oMathPara xmlns:m="http://schemas.openxmlformats.org/officeDocument/2006/math">
                     <m:oMathParaPr>
@@ -10452,7 +10437,7 @@
             </p:txBody>
           </p:sp>
         </mc:Choice>
-        <mc:Fallback>
+        <mc:Fallback xmlns="">
           <p:sp>
             <p:nvSpPr>
               <p:cNvPr id="70" name="TextBox 69"/>
@@ -10491,8 +10476,8 @@
           </p:sp>
         </mc:Fallback>
       </mc:AlternateContent>
-      <mc:AlternateContent xmlns:mc="http://schemas.openxmlformats.org/markup-compatibility/2006">
-        <mc:Choice xmlns:a14="http://schemas.microsoft.com/office/drawing/2010/main" Requires="a14">
+      <mc:AlternateContent xmlns:mc="http://schemas.openxmlformats.org/markup-compatibility/2006" xmlns:a14="http://schemas.microsoft.com/office/drawing/2010/main">
+        <mc:Choice Requires="a14">
           <p:sp>
             <p:nvSpPr>
               <p:cNvPr id="71" name="TextBox 70"/>
@@ -10515,6 +10500,7 @@
               </a:bodyPr>
               <a:lstStyle/>
               <a:p>
+                <a:pPr/>
                 <a14:m>
                   <m:oMathPara xmlns:m="http://schemas.openxmlformats.org/officeDocument/2006/math">
                     <m:oMathParaPr>
@@ -10555,7 +10541,7 @@
             </p:txBody>
           </p:sp>
         </mc:Choice>
-        <mc:Fallback>
+        <mc:Fallback xmlns="">
           <p:sp>
             <p:nvSpPr>
               <p:cNvPr id="71" name="TextBox 70"/>
